--- a/master-course/ppt/visual-encoding.pptx
+++ b/master-course/ppt/visual-encoding.pptx
@@ -4,12 +4,15 @@
   <p:sldMasterIdLst>
     <p:sldMasterId id="2147483648" r:id="rId1"/>
   </p:sldMasterIdLst>
+  <p:notesMasterIdLst>
+    <p:notesMasterId r:id="rId7"/>
+  </p:notesMasterIdLst>
   <p:sldIdLst>
     <p:sldId id="256" r:id="rId2"/>
     <p:sldId id="257" r:id="rId3"/>
-    <p:sldId id="258" r:id="rId4"/>
+    <p:sldId id="261" r:id="rId4"/>
     <p:sldId id="259" r:id="rId5"/>
-    <p:sldId id="260" r:id="rId6"/>
+    <p:sldId id="262" r:id="rId6"/>
   </p:sldIdLst>
   <p:sldSz cx="9144000" cy="6858000" type="screen4x3"/>
   <p:notesSz cx="6858000" cy="9144000"/>
@@ -111,6 +114,520 @@
 </p:presentation>
 </file>
 
+<file path=ppt/notesMasters/notesMaster1.xml><?xml version="1.0" encoding="utf-8"?>
+<p:notesMaster xmlns:a="http://schemas.openxmlformats.org/drawingml/2006/main" xmlns:r="http://schemas.openxmlformats.org/officeDocument/2006/relationships" xmlns:p="http://schemas.openxmlformats.org/presentationml/2006/main">
+  <p:cSld>
+    <p:bg>
+      <p:bgRef idx="1001">
+        <a:schemeClr val="bg1"/>
+      </p:bgRef>
+    </p:bg>
+    <p:spTree>
+      <p:nvGrpSpPr>
+        <p:cNvPr id="1" name=""/>
+        <p:cNvGrpSpPr/>
+        <p:nvPr/>
+      </p:nvGrpSpPr>
+      <p:grpSpPr>
+        <a:xfrm>
+          <a:off x="0" y="0"/>
+          <a:ext cx="0" cy="0"/>
+          <a:chOff x="0" y="0"/>
+          <a:chExt cx="0" cy="0"/>
+        </a:xfrm>
+      </p:grpSpPr>
+      <p:sp>
+        <p:nvSpPr>
+          <p:cNvPr id="2" name="Header Placeholder 1"/>
+          <p:cNvSpPr>
+            <a:spLocks noGrp="1"/>
+          </p:cNvSpPr>
+          <p:nvPr>
+            <p:ph type="hdr" sz="quarter"/>
+          </p:nvPr>
+        </p:nvSpPr>
+        <p:spPr>
+          <a:xfrm>
+            <a:off x="0" y="0"/>
+            <a:ext cx="2971800" cy="457200"/>
+          </a:xfrm>
+          <a:prstGeom prst="rect">
+            <a:avLst/>
+          </a:prstGeom>
+        </p:spPr>
+        <p:txBody>
+          <a:bodyPr vert="horz" lIns="91440" tIns="45720" rIns="91440" bIns="45720" rtlCol="0"/>
+          <a:lstStyle>
+            <a:lvl1pPr algn="l">
+              <a:defRPr sz="1200"/>
+            </a:lvl1pPr>
+          </a:lstStyle>
+          <a:p>
+            <a:endParaRPr lang="en-US"/>
+          </a:p>
+        </p:txBody>
+      </p:sp>
+      <p:sp>
+        <p:nvSpPr>
+          <p:cNvPr id="3" name="Date Placeholder 2"/>
+          <p:cNvSpPr>
+            <a:spLocks noGrp="1"/>
+          </p:cNvSpPr>
+          <p:nvPr>
+            <p:ph type="dt" idx="1"/>
+          </p:nvPr>
+        </p:nvSpPr>
+        <p:spPr>
+          <a:xfrm>
+            <a:off x="3884613" y="0"/>
+            <a:ext cx="2971800" cy="457200"/>
+          </a:xfrm>
+          <a:prstGeom prst="rect">
+            <a:avLst/>
+          </a:prstGeom>
+        </p:spPr>
+        <p:txBody>
+          <a:bodyPr vert="horz" lIns="91440" tIns="45720" rIns="91440" bIns="45720" rtlCol="0"/>
+          <a:lstStyle>
+            <a:lvl1pPr algn="r">
+              <a:defRPr sz="1200"/>
+            </a:lvl1pPr>
+          </a:lstStyle>
+          <a:p>
+            <a:fld id="{58F62E21-BFAA-A942-A256-A81259B1FF34}" type="datetimeFigureOut">
+              <a:t>2/9/17</a:t>
+            </a:fld>
+            <a:endParaRPr lang="en-US"/>
+          </a:p>
+        </p:txBody>
+      </p:sp>
+      <p:sp>
+        <p:nvSpPr>
+          <p:cNvPr id="4" name="Slide Image Placeholder 3"/>
+          <p:cNvSpPr>
+            <a:spLocks noGrp="1" noRot="1" noChangeAspect="1"/>
+          </p:cNvSpPr>
+          <p:nvPr>
+            <p:ph type="sldImg" idx="2"/>
+          </p:nvPr>
+        </p:nvSpPr>
+        <p:spPr>
+          <a:xfrm>
+            <a:off x="1143000" y="685800"/>
+            <a:ext cx="4572000" cy="3429000"/>
+          </a:xfrm>
+          <a:prstGeom prst="rect">
+            <a:avLst/>
+          </a:prstGeom>
+          <a:noFill/>
+          <a:ln w="12700">
+            <a:solidFill>
+              <a:prstClr val="black"/>
+            </a:solidFill>
+          </a:ln>
+        </p:spPr>
+        <p:txBody>
+          <a:bodyPr vert="horz" lIns="91440" tIns="45720" rIns="91440" bIns="45720" rtlCol="0" anchor="ctr"/>
+          <a:lstStyle/>
+          <a:p>
+            <a:endParaRPr lang="en-US"/>
+          </a:p>
+        </p:txBody>
+      </p:sp>
+      <p:sp>
+        <p:nvSpPr>
+          <p:cNvPr id="5" name="Notes Placeholder 4"/>
+          <p:cNvSpPr>
+            <a:spLocks noGrp="1"/>
+          </p:cNvSpPr>
+          <p:nvPr>
+            <p:ph type="body" sz="quarter" idx="3"/>
+          </p:nvPr>
+        </p:nvSpPr>
+        <p:spPr>
+          <a:xfrm>
+            <a:off x="685800" y="4343400"/>
+            <a:ext cx="5486400" cy="4114800"/>
+          </a:xfrm>
+          <a:prstGeom prst="rect">
+            <a:avLst/>
+          </a:prstGeom>
+        </p:spPr>
+        <p:txBody>
+          <a:bodyPr vert="horz" lIns="91440" tIns="45720" rIns="91440" bIns="45720" rtlCol="0"/>
+          <a:lstStyle/>
+          <a:p>
+            <a:pPr lvl="0"/>
+            <a:r>
+              <a:rPr lang="fr-FR"/>
+              <a:t>Click to edit Master text styles</a:t>
+            </a:r>
+          </a:p>
+          <a:p>
+            <a:pPr lvl="1"/>
+            <a:r>
+              <a:rPr lang="fr-FR"/>
+              <a:t>Second level</a:t>
+            </a:r>
+          </a:p>
+          <a:p>
+            <a:pPr lvl="2"/>
+            <a:r>
+              <a:rPr lang="fr-FR"/>
+              <a:t>Third level</a:t>
+            </a:r>
+          </a:p>
+          <a:p>
+            <a:pPr lvl="3"/>
+            <a:r>
+              <a:rPr lang="fr-FR"/>
+              <a:t>Fourth level</a:t>
+            </a:r>
+          </a:p>
+          <a:p>
+            <a:pPr lvl="4"/>
+            <a:r>
+              <a:rPr lang="fr-FR"/>
+              <a:t>Fifth level</a:t>
+            </a:r>
+            <a:endParaRPr lang="en-US"/>
+          </a:p>
+        </p:txBody>
+      </p:sp>
+      <p:sp>
+        <p:nvSpPr>
+          <p:cNvPr id="6" name="Footer Placeholder 5"/>
+          <p:cNvSpPr>
+            <a:spLocks noGrp="1"/>
+          </p:cNvSpPr>
+          <p:nvPr>
+            <p:ph type="ftr" sz="quarter" idx="4"/>
+          </p:nvPr>
+        </p:nvSpPr>
+        <p:spPr>
+          <a:xfrm>
+            <a:off x="0" y="8685213"/>
+            <a:ext cx="2971800" cy="457200"/>
+          </a:xfrm>
+          <a:prstGeom prst="rect">
+            <a:avLst/>
+          </a:prstGeom>
+        </p:spPr>
+        <p:txBody>
+          <a:bodyPr vert="horz" lIns="91440" tIns="45720" rIns="91440" bIns="45720" rtlCol="0" anchor="b"/>
+          <a:lstStyle>
+            <a:lvl1pPr algn="l">
+              <a:defRPr sz="1200"/>
+            </a:lvl1pPr>
+          </a:lstStyle>
+          <a:p>
+            <a:endParaRPr lang="en-US"/>
+          </a:p>
+        </p:txBody>
+      </p:sp>
+      <p:sp>
+        <p:nvSpPr>
+          <p:cNvPr id="7" name="Slide Number Placeholder 6"/>
+          <p:cNvSpPr>
+            <a:spLocks noGrp="1"/>
+          </p:cNvSpPr>
+          <p:nvPr>
+            <p:ph type="sldNum" sz="quarter" idx="5"/>
+          </p:nvPr>
+        </p:nvSpPr>
+        <p:spPr>
+          <a:xfrm>
+            <a:off x="3884613" y="8685213"/>
+            <a:ext cx="2971800" cy="457200"/>
+          </a:xfrm>
+          <a:prstGeom prst="rect">
+            <a:avLst/>
+          </a:prstGeom>
+        </p:spPr>
+        <p:txBody>
+          <a:bodyPr vert="horz" lIns="91440" tIns="45720" rIns="91440" bIns="45720" rtlCol="0" anchor="b"/>
+          <a:lstStyle>
+            <a:lvl1pPr algn="r">
+              <a:defRPr sz="1200"/>
+            </a:lvl1pPr>
+          </a:lstStyle>
+          <a:p>
+            <a:fld id="{5D79C157-0AAA-8449-8881-1F89DD7A501D}" type="slidenum">
+              <a:t>‹#›</a:t>
+            </a:fld>
+            <a:endParaRPr lang="en-US"/>
+          </a:p>
+        </p:txBody>
+      </p:sp>
+    </p:spTree>
+    <p:extLst>
+      <p:ext uri="{BB962C8B-B14F-4D97-AF65-F5344CB8AC3E}">
+        <p14:creationId xmlns:p14="http://schemas.microsoft.com/office/powerpoint/2010/main" val="3441777436"/>
+      </p:ext>
+    </p:extLst>
+  </p:cSld>
+  <p:clrMap bg1="lt1" tx1="dk1" bg2="lt2" tx2="dk2" accent1="accent1" accent2="accent2" accent3="accent3" accent4="accent4" accent5="accent5" accent6="accent6" hlink="hlink" folHlink="folHlink"/>
+  <p:notesStyle>
+    <a:lvl1pPr marL="0" algn="l" defTabSz="457200" rtl="0" eaLnBrk="1" latinLnBrk="0" hangingPunct="1">
+      <a:defRPr sz="1200" kern="1200">
+        <a:solidFill>
+          <a:schemeClr val="tx1"/>
+        </a:solidFill>
+        <a:latin typeface="+mn-lt"/>
+        <a:ea typeface="+mn-ea"/>
+        <a:cs typeface="+mn-cs"/>
+      </a:defRPr>
+    </a:lvl1pPr>
+    <a:lvl2pPr marL="457200" algn="l" defTabSz="457200" rtl="0" eaLnBrk="1" latinLnBrk="0" hangingPunct="1">
+      <a:defRPr sz="1200" kern="1200">
+        <a:solidFill>
+          <a:schemeClr val="tx1"/>
+        </a:solidFill>
+        <a:latin typeface="+mn-lt"/>
+        <a:ea typeface="+mn-ea"/>
+        <a:cs typeface="+mn-cs"/>
+      </a:defRPr>
+    </a:lvl2pPr>
+    <a:lvl3pPr marL="914400" algn="l" defTabSz="457200" rtl="0" eaLnBrk="1" latinLnBrk="0" hangingPunct="1">
+      <a:defRPr sz="1200" kern="1200">
+        <a:solidFill>
+          <a:schemeClr val="tx1"/>
+        </a:solidFill>
+        <a:latin typeface="+mn-lt"/>
+        <a:ea typeface="+mn-ea"/>
+        <a:cs typeface="+mn-cs"/>
+      </a:defRPr>
+    </a:lvl3pPr>
+    <a:lvl4pPr marL="1371600" algn="l" defTabSz="457200" rtl="0" eaLnBrk="1" latinLnBrk="0" hangingPunct="1">
+      <a:defRPr sz="1200" kern="1200">
+        <a:solidFill>
+          <a:schemeClr val="tx1"/>
+        </a:solidFill>
+        <a:latin typeface="+mn-lt"/>
+        <a:ea typeface="+mn-ea"/>
+        <a:cs typeface="+mn-cs"/>
+      </a:defRPr>
+    </a:lvl4pPr>
+    <a:lvl5pPr marL="1828800" algn="l" defTabSz="457200" rtl="0" eaLnBrk="1" latinLnBrk="0" hangingPunct="1">
+      <a:defRPr sz="1200" kern="1200">
+        <a:solidFill>
+          <a:schemeClr val="tx1"/>
+        </a:solidFill>
+        <a:latin typeface="+mn-lt"/>
+        <a:ea typeface="+mn-ea"/>
+        <a:cs typeface="+mn-cs"/>
+      </a:defRPr>
+    </a:lvl5pPr>
+    <a:lvl6pPr marL="2286000" algn="l" defTabSz="457200" rtl="0" eaLnBrk="1" latinLnBrk="0" hangingPunct="1">
+      <a:defRPr sz="1200" kern="1200">
+        <a:solidFill>
+          <a:schemeClr val="tx1"/>
+        </a:solidFill>
+        <a:latin typeface="+mn-lt"/>
+        <a:ea typeface="+mn-ea"/>
+        <a:cs typeface="+mn-cs"/>
+      </a:defRPr>
+    </a:lvl6pPr>
+    <a:lvl7pPr marL="2743200" algn="l" defTabSz="457200" rtl="0" eaLnBrk="1" latinLnBrk="0" hangingPunct="1">
+      <a:defRPr sz="1200" kern="1200">
+        <a:solidFill>
+          <a:schemeClr val="tx1"/>
+        </a:solidFill>
+        <a:latin typeface="+mn-lt"/>
+        <a:ea typeface="+mn-ea"/>
+        <a:cs typeface="+mn-cs"/>
+      </a:defRPr>
+    </a:lvl7pPr>
+    <a:lvl8pPr marL="3200400" algn="l" defTabSz="457200" rtl="0" eaLnBrk="1" latinLnBrk="0" hangingPunct="1">
+      <a:defRPr sz="1200" kern="1200">
+        <a:solidFill>
+          <a:schemeClr val="tx1"/>
+        </a:solidFill>
+        <a:latin typeface="+mn-lt"/>
+        <a:ea typeface="+mn-ea"/>
+        <a:cs typeface="+mn-cs"/>
+      </a:defRPr>
+    </a:lvl8pPr>
+    <a:lvl9pPr marL="3657600" algn="l" defTabSz="457200" rtl="0" eaLnBrk="1" latinLnBrk="0" hangingPunct="1">
+      <a:defRPr sz="1200" kern="1200">
+        <a:solidFill>
+          <a:schemeClr val="tx1"/>
+        </a:solidFill>
+        <a:latin typeface="+mn-lt"/>
+        <a:ea typeface="+mn-ea"/>
+        <a:cs typeface="+mn-cs"/>
+      </a:defRPr>
+    </a:lvl9pPr>
+  </p:notesStyle>
+</p:notesMaster>
+</file>
+
+<file path=ppt/notesSlides/notesSlide1.xml><?xml version="1.0" encoding="utf-8"?>
+<p:notes xmlns:a="http://schemas.openxmlformats.org/drawingml/2006/main" xmlns:r="http://schemas.openxmlformats.org/officeDocument/2006/relationships" xmlns:p="http://schemas.openxmlformats.org/presentationml/2006/main">
+  <p:cSld>
+    <p:spTree>
+      <p:nvGrpSpPr>
+        <p:cNvPr id="1" name=""/>
+        <p:cNvGrpSpPr/>
+        <p:nvPr/>
+      </p:nvGrpSpPr>
+      <p:grpSpPr>
+        <a:xfrm>
+          <a:off x="0" y="0"/>
+          <a:ext cx="0" cy="0"/>
+          <a:chOff x="0" y="0"/>
+          <a:chExt cx="0" cy="0"/>
+        </a:xfrm>
+      </p:grpSpPr>
+      <p:sp>
+        <p:nvSpPr>
+          <p:cNvPr id="2" name="Slide Image Placeholder 1"/>
+          <p:cNvSpPr>
+            <a:spLocks noGrp="1" noRot="1" noChangeAspect="1"/>
+          </p:cNvSpPr>
+          <p:nvPr>
+            <p:ph type="sldImg"/>
+          </p:nvPr>
+        </p:nvSpPr>
+        <p:spPr/>
+      </p:sp>
+      <p:sp>
+        <p:nvSpPr>
+          <p:cNvPr id="3" name="Notes Placeholder 2"/>
+          <p:cNvSpPr>
+            <a:spLocks noGrp="1"/>
+          </p:cNvSpPr>
+          <p:nvPr>
+            <p:ph type="body" idx="1"/>
+          </p:nvPr>
+        </p:nvSpPr>
+        <p:spPr/>
+        <p:txBody>
+          <a:bodyPr/>
+          <a:lstStyle/>
+          <a:p>
+            <a:endParaRPr lang="en-US"/>
+          </a:p>
+        </p:txBody>
+      </p:sp>
+      <p:sp>
+        <p:nvSpPr>
+          <p:cNvPr id="4" name="Slide Number Placeholder 3"/>
+          <p:cNvSpPr>
+            <a:spLocks noGrp="1"/>
+          </p:cNvSpPr>
+          <p:nvPr>
+            <p:ph type="sldNum" sz="quarter" idx="10"/>
+          </p:nvPr>
+        </p:nvSpPr>
+        <p:spPr/>
+        <p:txBody>
+          <a:bodyPr/>
+          <a:lstStyle/>
+          <a:p>
+            <a:fld id="{5D79C157-0AAA-8449-8881-1F89DD7A501D}" type="slidenum">
+              <a:t>2</a:t>
+            </a:fld>
+            <a:endParaRPr lang="en-US"/>
+          </a:p>
+        </p:txBody>
+      </p:sp>
+    </p:spTree>
+    <p:extLst>
+      <p:ext uri="{BB962C8B-B14F-4D97-AF65-F5344CB8AC3E}">
+        <p14:creationId xmlns:p14="http://schemas.microsoft.com/office/powerpoint/2010/main" val="3173333974"/>
+      </p:ext>
+    </p:extLst>
+  </p:cSld>
+  <p:clrMapOvr>
+    <a:masterClrMapping/>
+  </p:clrMapOvr>
+</p:notes>
+</file>
+
+<file path=ppt/notesSlides/notesSlide2.xml><?xml version="1.0" encoding="utf-8"?>
+<p:notes xmlns:a="http://schemas.openxmlformats.org/drawingml/2006/main" xmlns:r="http://schemas.openxmlformats.org/officeDocument/2006/relationships" xmlns:p="http://schemas.openxmlformats.org/presentationml/2006/main">
+  <p:cSld>
+    <p:spTree>
+      <p:nvGrpSpPr>
+        <p:cNvPr id="1" name=""/>
+        <p:cNvGrpSpPr/>
+        <p:nvPr/>
+      </p:nvGrpSpPr>
+      <p:grpSpPr>
+        <a:xfrm>
+          <a:off x="0" y="0"/>
+          <a:ext cx="0" cy="0"/>
+          <a:chOff x="0" y="0"/>
+          <a:chExt cx="0" cy="0"/>
+        </a:xfrm>
+      </p:grpSpPr>
+      <p:sp>
+        <p:nvSpPr>
+          <p:cNvPr id="2" name="Slide Image Placeholder 1"/>
+          <p:cNvSpPr>
+            <a:spLocks noGrp="1" noRot="1" noChangeAspect="1"/>
+          </p:cNvSpPr>
+          <p:nvPr>
+            <p:ph type="sldImg"/>
+          </p:nvPr>
+        </p:nvSpPr>
+        <p:spPr/>
+      </p:sp>
+      <p:sp>
+        <p:nvSpPr>
+          <p:cNvPr id="3" name="Notes Placeholder 2"/>
+          <p:cNvSpPr>
+            <a:spLocks noGrp="1"/>
+          </p:cNvSpPr>
+          <p:nvPr>
+            <p:ph type="body" idx="1"/>
+          </p:nvPr>
+        </p:nvSpPr>
+        <p:spPr/>
+        <p:txBody>
+          <a:bodyPr/>
+          <a:lstStyle/>
+          <a:p>
+            <a:endParaRPr lang="en-US"/>
+          </a:p>
+        </p:txBody>
+      </p:sp>
+      <p:sp>
+        <p:nvSpPr>
+          <p:cNvPr id="4" name="Slide Number Placeholder 3"/>
+          <p:cNvSpPr>
+            <a:spLocks noGrp="1"/>
+          </p:cNvSpPr>
+          <p:nvPr>
+            <p:ph type="sldNum" sz="quarter" idx="10"/>
+          </p:nvPr>
+        </p:nvSpPr>
+        <p:spPr/>
+        <p:txBody>
+          <a:bodyPr/>
+          <a:lstStyle/>
+          <a:p>
+            <a:fld id="{5D79C157-0AAA-8449-8881-1F89DD7A501D}" type="slidenum">
+              <a:t>3</a:t>
+            </a:fld>
+            <a:endParaRPr lang="en-US"/>
+          </a:p>
+        </p:txBody>
+      </p:sp>
+    </p:spTree>
+    <p:extLst>
+      <p:ext uri="{BB962C8B-B14F-4D97-AF65-F5344CB8AC3E}">
+        <p14:creationId xmlns:p14="http://schemas.microsoft.com/office/powerpoint/2010/main" val="3173333974"/>
+      </p:ext>
+    </p:extLst>
+  </p:cSld>
+  <p:clrMapOvr>
+    <a:masterClrMapping/>
+  </p:clrMapOvr>
+</p:notes>
+</file>
+
 <file path=ppt/slideLayouts/slideLayout1.xml><?xml version="1.0" encoding="utf-8"?>
 <p:sldLayout xmlns:a="http://schemas.openxmlformats.org/drawingml/2006/main" xmlns:r="http://schemas.openxmlformats.org/officeDocument/2006/relationships" xmlns:p="http://schemas.openxmlformats.org/presentationml/2006/main" type="title" preserve="1">
   <p:cSld name="Title Slide">
@@ -291,7 +808,7 @@
           <a:lstStyle/>
           <a:p>
             <a:fld id="{55ACECD4-8321-EF4F-B92C-C53A4797E9D4}" type="datetimeFigureOut">
-              <a:t>10/9/16</a:t>
+              <a:t>2/9/17</a:t>
             </a:fld>
             <a:endParaRPr lang="en-US"/>
           </a:p>
@@ -459,7 +976,7 @@
           <a:lstStyle/>
           <a:p>
             <a:fld id="{55ACECD4-8321-EF4F-B92C-C53A4797E9D4}" type="datetimeFigureOut">
-              <a:t>10/9/16</a:t>
+              <a:t>2/9/17</a:t>
             </a:fld>
             <a:endParaRPr lang="en-US"/>
           </a:p>
@@ -637,7 +1154,7 @@
           <a:lstStyle/>
           <a:p>
             <a:fld id="{55ACECD4-8321-EF4F-B92C-C53A4797E9D4}" type="datetimeFigureOut">
-              <a:t>10/9/16</a:t>
+              <a:t>2/9/17</a:t>
             </a:fld>
             <a:endParaRPr lang="en-US"/>
           </a:p>
@@ -805,7 +1322,7 @@
           <a:lstStyle/>
           <a:p>
             <a:fld id="{55ACECD4-8321-EF4F-B92C-C53A4797E9D4}" type="datetimeFigureOut">
-              <a:t>10/9/16</a:t>
+              <a:t>2/9/17</a:t>
             </a:fld>
             <a:endParaRPr lang="en-US"/>
           </a:p>
@@ -1049,7 +1566,7 @@
           <a:lstStyle/>
           <a:p>
             <a:fld id="{55ACECD4-8321-EF4F-B92C-C53A4797E9D4}" type="datetimeFigureOut">
-              <a:t>10/9/16</a:t>
+              <a:t>2/9/17</a:t>
             </a:fld>
             <a:endParaRPr lang="en-US"/>
           </a:p>
@@ -1335,7 +1852,7 @@
           <a:lstStyle/>
           <a:p>
             <a:fld id="{55ACECD4-8321-EF4F-B92C-C53A4797E9D4}" type="datetimeFigureOut">
-              <a:t>10/9/16</a:t>
+              <a:t>2/9/17</a:t>
             </a:fld>
             <a:endParaRPr lang="en-US"/>
           </a:p>
@@ -1755,7 +2272,7 @@
           <a:lstStyle/>
           <a:p>
             <a:fld id="{55ACECD4-8321-EF4F-B92C-C53A4797E9D4}" type="datetimeFigureOut">
-              <a:t>10/9/16</a:t>
+              <a:t>2/9/17</a:t>
             </a:fld>
             <a:endParaRPr lang="en-US"/>
           </a:p>
@@ -1871,7 +2388,7 @@
           <a:lstStyle/>
           <a:p>
             <a:fld id="{55ACECD4-8321-EF4F-B92C-C53A4797E9D4}" type="datetimeFigureOut">
-              <a:t>10/9/16</a:t>
+              <a:t>2/9/17</a:t>
             </a:fld>
             <a:endParaRPr lang="en-US"/>
           </a:p>
@@ -1964,7 +2481,7 @@
           <a:lstStyle/>
           <a:p>
             <a:fld id="{55ACECD4-8321-EF4F-B92C-C53A4797E9D4}" type="datetimeFigureOut">
-              <a:t>10/9/16</a:t>
+              <a:t>2/9/17</a:t>
             </a:fld>
             <a:endParaRPr lang="en-US"/>
           </a:p>
@@ -2239,7 +2756,7 @@
           <a:lstStyle/>
           <a:p>
             <a:fld id="{55ACECD4-8321-EF4F-B92C-C53A4797E9D4}" type="datetimeFigureOut">
-              <a:t>10/9/16</a:t>
+              <a:t>2/9/17</a:t>
             </a:fld>
             <a:endParaRPr lang="en-US"/>
           </a:p>
@@ -2490,7 +3007,7 @@
           <a:lstStyle/>
           <a:p>
             <a:fld id="{55ACECD4-8321-EF4F-B92C-C53A4797E9D4}" type="datetimeFigureOut">
-              <a:t>10/9/16</a:t>
+              <a:t>2/9/17</a:t>
             </a:fld>
             <a:endParaRPr lang="en-US"/>
           </a:p>
@@ -2701,7 +3218,7 @@
           </a:lstStyle>
           <a:p>
             <a:fld id="{55ACECD4-8321-EF4F-B92C-C53A4797E9D4}" type="datetimeFigureOut">
-              <a:t>10/9/16</a:t>
+              <a:t>2/9/17</a:t>
             </a:fld>
             <a:endParaRPr lang="en-US"/>
           </a:p>
@@ -3061,14 +3578,6 @@
 <file path=ppt/slides/slide1.xml><?xml version="1.0" encoding="utf-8"?>
 <p:sld xmlns:a="http://schemas.openxmlformats.org/drawingml/2006/main" xmlns:r="http://schemas.openxmlformats.org/officeDocument/2006/relationships" xmlns:p="http://schemas.openxmlformats.org/presentationml/2006/main">
   <p:cSld>
-    <p:bg>
-      <p:bgPr>
-        <a:solidFill>
-          <a:srgbClr val="2B2B2B"/>
-        </a:solidFill>
-        <a:effectLst/>
-      </p:bgPr>
-    </p:bg>
     <p:spTree>
       <p:nvGrpSpPr>
         <p:cNvPr id="1" name=""/>
@@ -3083,30 +3592,150 @@
           <a:chExt cx="0" cy="0"/>
         </a:xfrm>
       </p:grpSpPr>
-      <p:pic>
-        <p:nvPicPr>
-          <p:cNvPr id="4" name="Picture 3"/>
-          <p:cNvPicPr>
-            <a:picLocks noChangeAspect="1"/>
-          </p:cNvPicPr>
+      <p:sp>
+        <p:nvSpPr>
+          <p:cNvPr id="3" name="Oval 2"/>
+          <p:cNvSpPr>
+            <a:spLocks noChangeAspect="1"/>
+          </p:cNvSpPr>
           <p:nvPr/>
-        </p:nvPicPr>
-        <p:blipFill>
-          <a:blip r:embed="rId2"/>
-          <a:stretch>
-            <a:fillRect/>
-          </a:stretch>
-        </p:blipFill>
+        </p:nvSpPr>
         <p:spPr>
           <a:xfrm>
-            <a:off x="0" y="596900"/>
-            <a:ext cx="9144000" cy="5644760"/>
+            <a:off x="3692871" y="1580934"/>
+            <a:ext cx="4889981" cy="4882546"/>
+          </a:xfrm>
+          <a:prstGeom prst="ellipse">
+            <a:avLst/>
+          </a:prstGeom>
+          <a:solidFill>
+            <a:schemeClr val="accent1">
+              <a:lumMod val="75000"/>
+            </a:schemeClr>
+          </a:solidFill>
+          <a:ln>
+            <a:noFill/>
+          </a:ln>
+          <a:effectLst/>
+        </p:spPr>
+        <p:style>
+          <a:lnRef idx="1">
+            <a:schemeClr val="accent1"/>
+          </a:lnRef>
+          <a:fillRef idx="3">
+            <a:schemeClr val="accent1"/>
+          </a:fillRef>
+          <a:effectRef idx="2">
+            <a:schemeClr val="accent1"/>
+          </a:effectRef>
+          <a:fontRef idx="minor">
+            <a:schemeClr val="lt1"/>
+          </a:fontRef>
+        </p:style>
+        <p:txBody>
+          <a:bodyPr rtlCol="0" anchor="ctr"/>
+          <a:lstStyle/>
+          <a:p>
+            <a:pPr algn="ctr"/>
+            <a:endParaRPr lang="en-US"/>
+          </a:p>
+        </p:txBody>
+      </p:sp>
+      <p:sp>
+        <p:nvSpPr>
+          <p:cNvPr id="5" name="Oval 4"/>
+          <p:cNvSpPr>
+            <a:spLocks noChangeAspect="1"/>
+          </p:cNvSpPr>
+          <p:nvPr/>
+        </p:nvSpPr>
+        <p:spPr>
+          <a:xfrm>
+            <a:off x="577273" y="3097836"/>
+            <a:ext cx="1851557" cy="1848742"/>
+          </a:xfrm>
+          <a:prstGeom prst="ellipse">
+            <a:avLst/>
+          </a:prstGeom>
+          <a:solidFill>
+            <a:schemeClr val="accent1">
+              <a:lumMod val="75000"/>
+            </a:schemeClr>
+          </a:solidFill>
+          <a:ln>
+            <a:noFill/>
+          </a:ln>
+          <a:effectLst/>
+        </p:spPr>
+        <p:style>
+          <a:lnRef idx="1">
+            <a:schemeClr val="accent1"/>
+          </a:lnRef>
+          <a:fillRef idx="3">
+            <a:schemeClr val="accent1"/>
+          </a:fillRef>
+          <a:effectRef idx="2">
+            <a:schemeClr val="accent1"/>
+          </a:effectRef>
+          <a:fontRef idx="minor">
+            <a:schemeClr val="lt1"/>
+          </a:fontRef>
+        </p:style>
+        <p:txBody>
+          <a:bodyPr rtlCol="0" anchor="ctr"/>
+          <a:lstStyle/>
+          <a:p>
+            <a:pPr algn="ctr"/>
+            <a:endParaRPr lang="en-US"/>
+          </a:p>
+        </p:txBody>
+      </p:sp>
+      <p:sp>
+        <p:nvSpPr>
+          <p:cNvPr id="6" name="TextBox 5"/>
+          <p:cNvSpPr txBox="1"/>
+          <p:nvPr/>
+        </p:nvSpPr>
+        <p:spPr>
+          <a:xfrm>
+            <a:off x="577273" y="282380"/>
+            <a:ext cx="5123405" cy="738664"/>
           </a:xfrm>
           <a:prstGeom prst="rect">
             <a:avLst/>
           </a:prstGeom>
+          <a:noFill/>
         </p:spPr>
-      </p:pic>
+        <p:txBody>
+          <a:bodyPr wrap="none" rtlCol="0">
+            <a:spAutoFit/>
+          </a:bodyPr>
+          <a:lstStyle/>
+          <a:p>
+            <a:r>
+              <a:rPr lang="en-US" sz="4200">
+                <a:latin typeface="Futura Condensed"/>
+                <a:cs typeface="Futura Condensed"/>
+              </a:rPr>
+              <a:t>COMPARE </a:t>
+            </a:r>
+            <a:r>
+              <a:rPr lang="en-US" sz="4200" b="1">
+                <a:latin typeface="Futura Condensed"/>
+                <a:cs typeface="Futura Condensed"/>
+              </a:rPr>
+              <a:t>AREA</a:t>
+            </a:r>
+            <a:r>
+              <a:rPr lang="en-US" sz="4200">
+                <a:latin typeface="Futura Condensed"/>
+                <a:cs typeface="Futura Condensed"/>
+              </a:rPr>
+              <a:t> OF CIRCLES</a:t>
+            </a:r>
+          </a:p>
+        </p:txBody>
+      </p:sp>
     </p:spTree>
     <p:extLst>
       <p:ext uri="{BB962C8B-B14F-4D97-AF65-F5344CB8AC3E}">
@@ -3130,14 +3759,6 @@
 <file path=ppt/slides/slide2.xml><?xml version="1.0" encoding="utf-8"?>
 <p:sld xmlns:a="http://schemas.openxmlformats.org/drawingml/2006/main" xmlns:r="http://schemas.openxmlformats.org/officeDocument/2006/relationships" xmlns:p="http://schemas.openxmlformats.org/presentationml/2006/main">
   <p:cSld>
-    <p:bg>
-      <p:bgPr>
-        <a:solidFill>
-          <a:srgbClr val="282828"/>
-        </a:solidFill>
-        <a:effectLst/>
-      </p:bgPr>
-    </p:bg>
     <p:spTree>
       <p:nvGrpSpPr>
         <p:cNvPr id="1" name=""/>
@@ -3152,30 +3773,146 @@
           <a:chExt cx="0" cy="0"/>
         </a:xfrm>
       </p:grpSpPr>
-      <p:pic>
-        <p:nvPicPr>
-          <p:cNvPr id="2" name="Picture 1"/>
-          <p:cNvPicPr>
-            <a:picLocks noChangeAspect="1"/>
-          </p:cNvPicPr>
+      <p:sp>
+        <p:nvSpPr>
+          <p:cNvPr id="3" name="Rectangle 2"/>
+          <p:cNvSpPr/>
           <p:nvPr/>
-        </p:nvPicPr>
-        <p:blipFill>
-          <a:blip r:embed="rId2"/>
-          <a:stretch>
-            <a:fillRect/>
-          </a:stretch>
-        </p:blipFill>
+        </p:nvSpPr>
         <p:spPr>
           <a:xfrm>
-            <a:off x="0" y="673100"/>
-            <a:ext cx="9144000" cy="5501268"/>
+            <a:off x="577273" y="2129459"/>
+            <a:ext cx="6882479" cy="874600"/>
           </a:xfrm>
           <a:prstGeom prst="rect">
             <a:avLst/>
           </a:prstGeom>
+          <a:solidFill>
+            <a:schemeClr val="accent1">
+              <a:lumMod val="75000"/>
+            </a:schemeClr>
+          </a:solidFill>
+          <a:ln>
+            <a:noFill/>
+          </a:ln>
+          <a:effectLst/>
         </p:spPr>
-      </p:pic>
+        <p:style>
+          <a:lnRef idx="1">
+            <a:schemeClr val="accent1"/>
+          </a:lnRef>
+          <a:fillRef idx="3">
+            <a:schemeClr val="accent1"/>
+          </a:fillRef>
+          <a:effectRef idx="2">
+            <a:schemeClr val="accent1"/>
+          </a:effectRef>
+          <a:fontRef idx="minor">
+            <a:schemeClr val="lt1"/>
+          </a:fontRef>
+        </p:style>
+        <p:txBody>
+          <a:bodyPr rtlCol="0" anchor="ctr"/>
+          <a:lstStyle/>
+          <a:p>
+            <a:pPr algn="ctr"/>
+            <a:endParaRPr lang="en-US"/>
+          </a:p>
+        </p:txBody>
+      </p:sp>
+      <p:sp>
+        <p:nvSpPr>
+          <p:cNvPr id="4" name="Rectangle 3"/>
+          <p:cNvSpPr/>
+          <p:nvPr/>
+        </p:nvSpPr>
+        <p:spPr>
+          <a:xfrm>
+            <a:off x="577273" y="3658403"/>
+            <a:ext cx="996248" cy="874600"/>
+          </a:xfrm>
+          <a:prstGeom prst="rect">
+            <a:avLst/>
+          </a:prstGeom>
+          <a:solidFill>
+            <a:schemeClr val="accent1">
+              <a:lumMod val="75000"/>
+            </a:schemeClr>
+          </a:solidFill>
+          <a:ln>
+            <a:noFill/>
+          </a:ln>
+          <a:effectLst/>
+        </p:spPr>
+        <p:style>
+          <a:lnRef idx="1">
+            <a:schemeClr val="accent1"/>
+          </a:lnRef>
+          <a:fillRef idx="3">
+            <a:schemeClr val="accent1"/>
+          </a:fillRef>
+          <a:effectRef idx="2">
+            <a:schemeClr val="accent1"/>
+          </a:effectRef>
+          <a:fontRef idx="minor">
+            <a:schemeClr val="lt1"/>
+          </a:fontRef>
+        </p:style>
+        <p:txBody>
+          <a:bodyPr rtlCol="0" anchor="ctr"/>
+          <a:lstStyle/>
+          <a:p>
+            <a:pPr algn="ctr"/>
+            <a:endParaRPr lang="en-US"/>
+          </a:p>
+        </p:txBody>
+      </p:sp>
+      <p:sp>
+        <p:nvSpPr>
+          <p:cNvPr id="5" name="TextBox 4"/>
+          <p:cNvSpPr txBox="1"/>
+          <p:nvPr/>
+        </p:nvSpPr>
+        <p:spPr>
+          <a:xfrm>
+            <a:off x="577273" y="282380"/>
+            <a:ext cx="5176004" cy="738664"/>
+          </a:xfrm>
+          <a:prstGeom prst="rect">
+            <a:avLst/>
+          </a:prstGeom>
+          <a:noFill/>
+        </p:spPr>
+        <p:txBody>
+          <a:bodyPr wrap="none" rtlCol="0">
+            <a:spAutoFit/>
+          </a:bodyPr>
+          <a:lstStyle/>
+          <a:p>
+            <a:r>
+              <a:rPr lang="en-US" sz="4200">
+                <a:latin typeface="Futura Condensed"/>
+                <a:cs typeface="Futura Condensed"/>
+              </a:rPr>
+              <a:t>COMPARE </a:t>
+            </a:r>
+            <a:r>
+              <a:rPr lang="en-US" sz="4200" b="1">
+                <a:latin typeface="Futura Condensed"/>
+                <a:cs typeface="Futura Condensed"/>
+              </a:rPr>
+              <a:t>LENGTH</a:t>
+            </a:r>
+            <a:r>
+              <a:rPr lang="en-US" sz="4200">
+                <a:latin typeface="Futura Condensed"/>
+                <a:cs typeface="Futura Condensed"/>
+              </a:rPr>
+              <a:t> OF BARS</a:t>
+            </a:r>
+          </a:p>
+        </p:txBody>
+      </p:sp>
     </p:spTree>
     <p:extLst>
       <p:ext uri="{BB962C8B-B14F-4D97-AF65-F5344CB8AC3E}">
@@ -3199,10 +3936,584 @@
 <file path=ppt/slides/slide3.xml><?xml version="1.0" encoding="utf-8"?>
 <p:sld xmlns:a="http://schemas.openxmlformats.org/drawingml/2006/main" xmlns:r="http://schemas.openxmlformats.org/officeDocument/2006/relationships" xmlns:p="http://schemas.openxmlformats.org/presentationml/2006/main">
   <p:cSld>
+    <p:spTree>
+      <p:nvGrpSpPr>
+        <p:cNvPr id="1" name=""/>
+        <p:cNvGrpSpPr/>
+        <p:nvPr/>
+      </p:nvGrpSpPr>
+      <p:grpSpPr>
+        <a:xfrm>
+          <a:off x="0" y="0"/>
+          <a:ext cx="0" cy="0"/>
+          <a:chOff x="0" y="0"/>
+          <a:chExt cx="0" cy="0"/>
+        </a:xfrm>
+      </p:grpSpPr>
+      <p:sp>
+        <p:nvSpPr>
+          <p:cNvPr id="3" name="Rectangle 2"/>
+          <p:cNvSpPr/>
+          <p:nvPr/>
+        </p:nvSpPr>
+        <p:spPr>
+          <a:xfrm>
+            <a:off x="577273" y="2129459"/>
+            <a:ext cx="6882479" cy="874600"/>
+          </a:xfrm>
+          <a:prstGeom prst="rect">
+            <a:avLst/>
+          </a:prstGeom>
+          <a:solidFill>
+            <a:schemeClr val="accent1">
+              <a:lumMod val="75000"/>
+            </a:schemeClr>
+          </a:solidFill>
+          <a:ln>
+            <a:noFill/>
+          </a:ln>
+          <a:effectLst/>
+        </p:spPr>
+        <p:style>
+          <a:lnRef idx="1">
+            <a:schemeClr val="accent1"/>
+          </a:lnRef>
+          <a:fillRef idx="3">
+            <a:schemeClr val="accent1"/>
+          </a:fillRef>
+          <a:effectRef idx="2">
+            <a:schemeClr val="accent1"/>
+          </a:effectRef>
+          <a:fontRef idx="minor">
+            <a:schemeClr val="lt1"/>
+          </a:fontRef>
+        </p:style>
+        <p:txBody>
+          <a:bodyPr rtlCol="0" anchor="ctr"/>
+          <a:lstStyle/>
+          <a:p>
+            <a:pPr algn="ctr"/>
+            <a:endParaRPr lang="en-US"/>
+          </a:p>
+        </p:txBody>
+      </p:sp>
+      <p:sp>
+        <p:nvSpPr>
+          <p:cNvPr id="5" name="TextBox 4"/>
+          <p:cNvSpPr txBox="1"/>
+          <p:nvPr/>
+        </p:nvSpPr>
+        <p:spPr>
+          <a:xfrm>
+            <a:off x="577273" y="282380"/>
+            <a:ext cx="5176004" cy="738664"/>
+          </a:xfrm>
+          <a:prstGeom prst="rect">
+            <a:avLst/>
+          </a:prstGeom>
+          <a:noFill/>
+        </p:spPr>
+        <p:txBody>
+          <a:bodyPr wrap="none" rtlCol="0">
+            <a:spAutoFit/>
+          </a:bodyPr>
+          <a:lstStyle/>
+          <a:p>
+            <a:r>
+              <a:rPr lang="en-US" sz="4200">
+                <a:latin typeface="Futura Condensed"/>
+                <a:cs typeface="Futura Condensed"/>
+              </a:rPr>
+              <a:t>COMPARE </a:t>
+            </a:r>
+            <a:r>
+              <a:rPr lang="en-US" sz="4200" b="1">
+                <a:latin typeface="Futura Condensed"/>
+                <a:cs typeface="Futura Condensed"/>
+              </a:rPr>
+              <a:t>LENGTH</a:t>
+            </a:r>
+            <a:r>
+              <a:rPr lang="en-US" sz="4200">
+                <a:latin typeface="Futura Condensed"/>
+                <a:cs typeface="Futura Condensed"/>
+              </a:rPr>
+              <a:t> OF BARS</a:t>
+            </a:r>
+          </a:p>
+        </p:txBody>
+      </p:sp>
+      <p:grpSp>
+        <p:nvGrpSpPr>
+          <p:cNvPr id="15" name="Group 14"/>
+          <p:cNvGrpSpPr/>
+          <p:nvPr/>
+        </p:nvGrpSpPr>
+        <p:grpSpPr>
+          <a:xfrm>
+            <a:off x="577273" y="3658403"/>
+            <a:ext cx="6882479" cy="874600"/>
+            <a:chOff x="577273" y="3627983"/>
+            <a:chExt cx="6882479" cy="874600"/>
+          </a:xfrm>
+        </p:grpSpPr>
+        <p:grpSp>
+          <p:nvGrpSpPr>
+            <p:cNvPr id="2" name="Group 1"/>
+            <p:cNvGrpSpPr/>
+            <p:nvPr/>
+          </p:nvGrpSpPr>
+          <p:grpSpPr>
+            <a:xfrm>
+              <a:off x="577273" y="3632464"/>
+              <a:ext cx="6882479" cy="863999"/>
+              <a:chOff x="577273" y="3237004"/>
+              <a:chExt cx="6973736" cy="863999"/>
+            </a:xfrm>
+          </p:grpSpPr>
+          <p:sp>
+            <p:nvSpPr>
+              <p:cNvPr id="6" name="Rectangle 5"/>
+              <p:cNvSpPr/>
+              <p:nvPr/>
+            </p:nvSpPr>
+            <p:spPr>
+              <a:xfrm>
+                <a:off x="577273" y="3237004"/>
+                <a:ext cx="996248" cy="863999"/>
+              </a:xfrm>
+              <a:prstGeom prst="rect">
+                <a:avLst/>
+              </a:prstGeom>
+              <a:solidFill>
+                <a:schemeClr val="accent1">
+                  <a:lumMod val="75000"/>
+                  <a:alpha val="10000"/>
+                </a:schemeClr>
+              </a:solidFill>
+              <a:ln>
+                <a:solidFill>
+                  <a:schemeClr val="accent1">
+                    <a:lumMod val="75000"/>
+                  </a:schemeClr>
+                </a:solidFill>
+              </a:ln>
+              <a:effectLst/>
+            </p:spPr>
+            <p:style>
+              <a:lnRef idx="1">
+                <a:schemeClr val="accent1"/>
+              </a:lnRef>
+              <a:fillRef idx="3">
+                <a:schemeClr val="accent1"/>
+              </a:fillRef>
+              <a:effectRef idx="2">
+                <a:schemeClr val="accent1"/>
+              </a:effectRef>
+              <a:fontRef idx="minor">
+                <a:schemeClr val="lt1"/>
+              </a:fontRef>
+            </p:style>
+            <p:txBody>
+              <a:bodyPr rtlCol="0" anchor="ctr"/>
+              <a:lstStyle/>
+              <a:p>
+                <a:pPr algn="ctr"/>
+                <a:endParaRPr lang="en-US"/>
+              </a:p>
+            </p:txBody>
+          </p:sp>
+          <p:sp>
+            <p:nvSpPr>
+              <p:cNvPr id="7" name="Rectangle 6"/>
+              <p:cNvSpPr/>
+              <p:nvPr/>
+            </p:nvSpPr>
+            <p:spPr>
+              <a:xfrm>
+                <a:off x="1573521" y="3237004"/>
+                <a:ext cx="996248" cy="863999"/>
+              </a:xfrm>
+              <a:prstGeom prst="rect">
+                <a:avLst/>
+              </a:prstGeom>
+              <a:solidFill>
+                <a:schemeClr val="accent1">
+                  <a:lumMod val="75000"/>
+                  <a:alpha val="10000"/>
+                </a:schemeClr>
+              </a:solidFill>
+              <a:ln>
+                <a:solidFill>
+                  <a:schemeClr val="accent1">
+                    <a:lumMod val="75000"/>
+                  </a:schemeClr>
+                </a:solidFill>
+              </a:ln>
+              <a:effectLst/>
+            </p:spPr>
+            <p:style>
+              <a:lnRef idx="1">
+                <a:schemeClr val="accent1"/>
+              </a:lnRef>
+              <a:fillRef idx="3">
+                <a:schemeClr val="accent1"/>
+              </a:fillRef>
+              <a:effectRef idx="2">
+                <a:schemeClr val="accent1"/>
+              </a:effectRef>
+              <a:fontRef idx="minor">
+                <a:schemeClr val="lt1"/>
+              </a:fontRef>
+            </p:style>
+            <p:txBody>
+              <a:bodyPr rtlCol="0" anchor="ctr"/>
+              <a:lstStyle/>
+              <a:p>
+                <a:pPr algn="ctr"/>
+                <a:endParaRPr lang="en-US"/>
+              </a:p>
+            </p:txBody>
+          </p:sp>
+          <p:sp>
+            <p:nvSpPr>
+              <p:cNvPr id="8" name="Rectangle 7"/>
+              <p:cNvSpPr/>
+              <p:nvPr/>
+            </p:nvSpPr>
+            <p:spPr>
+              <a:xfrm>
+                <a:off x="2569769" y="3237004"/>
+                <a:ext cx="996248" cy="863999"/>
+              </a:xfrm>
+              <a:prstGeom prst="rect">
+                <a:avLst/>
+              </a:prstGeom>
+              <a:solidFill>
+                <a:schemeClr val="accent1">
+                  <a:lumMod val="75000"/>
+                  <a:alpha val="10000"/>
+                </a:schemeClr>
+              </a:solidFill>
+              <a:ln>
+                <a:solidFill>
+                  <a:schemeClr val="accent1">
+                    <a:lumMod val="75000"/>
+                  </a:schemeClr>
+                </a:solidFill>
+              </a:ln>
+              <a:effectLst/>
+            </p:spPr>
+            <p:style>
+              <a:lnRef idx="1">
+                <a:schemeClr val="accent1"/>
+              </a:lnRef>
+              <a:fillRef idx="3">
+                <a:schemeClr val="accent1"/>
+              </a:fillRef>
+              <a:effectRef idx="2">
+                <a:schemeClr val="accent1"/>
+              </a:effectRef>
+              <a:fontRef idx="minor">
+                <a:schemeClr val="lt1"/>
+              </a:fontRef>
+            </p:style>
+            <p:txBody>
+              <a:bodyPr rtlCol="0" anchor="ctr"/>
+              <a:lstStyle/>
+              <a:p>
+                <a:pPr algn="ctr"/>
+                <a:endParaRPr lang="en-US"/>
+              </a:p>
+            </p:txBody>
+          </p:sp>
+          <p:sp>
+            <p:nvSpPr>
+              <p:cNvPr id="9" name="Rectangle 8"/>
+              <p:cNvSpPr/>
+              <p:nvPr/>
+            </p:nvSpPr>
+            <p:spPr>
+              <a:xfrm>
+                <a:off x="3566017" y="3237004"/>
+                <a:ext cx="996248" cy="863999"/>
+              </a:xfrm>
+              <a:prstGeom prst="rect">
+                <a:avLst/>
+              </a:prstGeom>
+              <a:solidFill>
+                <a:schemeClr val="accent1">
+                  <a:lumMod val="75000"/>
+                  <a:alpha val="10000"/>
+                </a:schemeClr>
+              </a:solidFill>
+              <a:ln>
+                <a:solidFill>
+                  <a:schemeClr val="accent1">
+                    <a:lumMod val="75000"/>
+                  </a:schemeClr>
+                </a:solidFill>
+              </a:ln>
+              <a:effectLst/>
+            </p:spPr>
+            <p:style>
+              <a:lnRef idx="1">
+                <a:schemeClr val="accent1"/>
+              </a:lnRef>
+              <a:fillRef idx="3">
+                <a:schemeClr val="accent1"/>
+              </a:fillRef>
+              <a:effectRef idx="2">
+                <a:schemeClr val="accent1"/>
+              </a:effectRef>
+              <a:fontRef idx="minor">
+                <a:schemeClr val="lt1"/>
+              </a:fontRef>
+            </p:style>
+            <p:txBody>
+              <a:bodyPr rtlCol="0" anchor="ctr"/>
+              <a:lstStyle/>
+              <a:p>
+                <a:pPr algn="ctr"/>
+                <a:endParaRPr lang="en-US"/>
+              </a:p>
+            </p:txBody>
+          </p:sp>
+          <p:sp>
+            <p:nvSpPr>
+              <p:cNvPr id="10" name="Rectangle 9"/>
+              <p:cNvSpPr/>
+              <p:nvPr/>
+            </p:nvSpPr>
+            <p:spPr>
+              <a:xfrm>
+                <a:off x="4562265" y="3237004"/>
+                <a:ext cx="996248" cy="863999"/>
+              </a:xfrm>
+              <a:prstGeom prst="rect">
+                <a:avLst/>
+              </a:prstGeom>
+              <a:solidFill>
+                <a:schemeClr val="accent1">
+                  <a:lumMod val="75000"/>
+                  <a:alpha val="10000"/>
+                </a:schemeClr>
+              </a:solidFill>
+              <a:ln>
+                <a:solidFill>
+                  <a:schemeClr val="accent1">
+                    <a:lumMod val="75000"/>
+                  </a:schemeClr>
+                </a:solidFill>
+              </a:ln>
+              <a:effectLst/>
+            </p:spPr>
+            <p:style>
+              <a:lnRef idx="1">
+                <a:schemeClr val="accent1"/>
+              </a:lnRef>
+              <a:fillRef idx="3">
+                <a:schemeClr val="accent1"/>
+              </a:fillRef>
+              <a:effectRef idx="2">
+                <a:schemeClr val="accent1"/>
+              </a:effectRef>
+              <a:fontRef idx="minor">
+                <a:schemeClr val="lt1"/>
+              </a:fontRef>
+            </p:style>
+            <p:txBody>
+              <a:bodyPr rtlCol="0" anchor="ctr"/>
+              <a:lstStyle/>
+              <a:p>
+                <a:pPr algn="ctr"/>
+                <a:endParaRPr lang="en-US"/>
+              </a:p>
+            </p:txBody>
+          </p:sp>
+          <p:sp>
+            <p:nvSpPr>
+              <p:cNvPr id="11" name="Rectangle 10"/>
+              <p:cNvSpPr/>
+              <p:nvPr/>
+            </p:nvSpPr>
+            <p:spPr>
+              <a:xfrm>
+                <a:off x="5558513" y="3237004"/>
+                <a:ext cx="996248" cy="863999"/>
+              </a:xfrm>
+              <a:prstGeom prst="rect">
+                <a:avLst/>
+              </a:prstGeom>
+              <a:solidFill>
+                <a:schemeClr val="accent1">
+                  <a:lumMod val="75000"/>
+                  <a:alpha val="10000"/>
+                </a:schemeClr>
+              </a:solidFill>
+              <a:ln>
+                <a:solidFill>
+                  <a:schemeClr val="accent1">
+                    <a:lumMod val="75000"/>
+                  </a:schemeClr>
+                </a:solidFill>
+              </a:ln>
+              <a:effectLst/>
+            </p:spPr>
+            <p:style>
+              <a:lnRef idx="1">
+                <a:schemeClr val="accent1"/>
+              </a:lnRef>
+              <a:fillRef idx="3">
+                <a:schemeClr val="accent1"/>
+              </a:fillRef>
+              <a:effectRef idx="2">
+                <a:schemeClr val="accent1"/>
+              </a:effectRef>
+              <a:fontRef idx="minor">
+                <a:schemeClr val="lt1"/>
+              </a:fontRef>
+            </p:style>
+            <p:txBody>
+              <a:bodyPr rtlCol="0" anchor="ctr"/>
+              <a:lstStyle/>
+              <a:p>
+                <a:pPr algn="ctr"/>
+                <a:endParaRPr lang="en-US"/>
+              </a:p>
+            </p:txBody>
+          </p:sp>
+          <p:sp>
+            <p:nvSpPr>
+              <p:cNvPr id="13" name="Rectangle 12"/>
+              <p:cNvSpPr/>
+              <p:nvPr/>
+            </p:nvSpPr>
+            <p:spPr>
+              <a:xfrm>
+                <a:off x="6554761" y="3237004"/>
+                <a:ext cx="996248" cy="863999"/>
+              </a:xfrm>
+              <a:prstGeom prst="rect">
+                <a:avLst/>
+              </a:prstGeom>
+              <a:solidFill>
+                <a:schemeClr val="accent1">
+                  <a:lumMod val="75000"/>
+                  <a:alpha val="10000"/>
+                </a:schemeClr>
+              </a:solidFill>
+              <a:ln>
+                <a:solidFill>
+                  <a:schemeClr val="accent1">
+                    <a:lumMod val="75000"/>
+                  </a:schemeClr>
+                </a:solidFill>
+              </a:ln>
+              <a:effectLst/>
+            </p:spPr>
+            <p:style>
+              <a:lnRef idx="1">
+                <a:schemeClr val="accent1"/>
+              </a:lnRef>
+              <a:fillRef idx="3">
+                <a:schemeClr val="accent1"/>
+              </a:fillRef>
+              <a:effectRef idx="2">
+                <a:schemeClr val="accent1"/>
+              </a:effectRef>
+              <a:fontRef idx="minor">
+                <a:schemeClr val="lt1"/>
+              </a:fontRef>
+            </p:style>
+            <p:txBody>
+              <a:bodyPr rtlCol="0" anchor="ctr"/>
+              <a:lstStyle/>
+              <a:p>
+                <a:pPr algn="ctr"/>
+                <a:endParaRPr lang="en-US"/>
+              </a:p>
+            </p:txBody>
+          </p:sp>
+        </p:grpSp>
+        <p:sp>
+          <p:nvSpPr>
+            <p:cNvPr id="14" name="Rectangle 13"/>
+            <p:cNvSpPr/>
+            <p:nvPr/>
+          </p:nvSpPr>
+          <p:spPr>
+            <a:xfrm>
+              <a:off x="577273" y="3627983"/>
+              <a:ext cx="996248" cy="874600"/>
+            </a:xfrm>
+            <a:prstGeom prst="rect">
+              <a:avLst/>
+            </a:prstGeom>
+            <a:solidFill>
+              <a:schemeClr val="accent1">
+                <a:lumMod val="75000"/>
+              </a:schemeClr>
+            </a:solidFill>
+            <a:ln>
+              <a:noFill/>
+            </a:ln>
+            <a:effectLst/>
+          </p:spPr>
+          <p:style>
+            <a:lnRef idx="1">
+              <a:schemeClr val="accent1"/>
+            </a:lnRef>
+            <a:fillRef idx="3">
+              <a:schemeClr val="accent1"/>
+            </a:fillRef>
+            <a:effectRef idx="2">
+              <a:schemeClr val="accent1"/>
+            </a:effectRef>
+            <a:fontRef idx="minor">
+              <a:schemeClr val="lt1"/>
+            </a:fontRef>
+          </p:style>
+          <p:txBody>
+            <a:bodyPr rtlCol="0" anchor="ctr"/>
+            <a:lstStyle/>
+            <a:p>
+              <a:pPr algn="ctr"/>
+              <a:endParaRPr lang="en-US"/>
+            </a:p>
+          </p:txBody>
+        </p:sp>
+      </p:grpSp>
+    </p:spTree>
+    <p:extLst>
+      <p:ext uri="{BB962C8B-B14F-4D97-AF65-F5344CB8AC3E}">
+        <p14:creationId xmlns:p14="http://schemas.microsoft.com/office/powerpoint/2010/main" val="315834796"/>
+      </p:ext>
+    </p:extLst>
+  </p:cSld>
+  <p:clrMapOvr>
+    <a:masterClrMapping/>
+  </p:clrMapOvr>
+  <p:timing>
+    <p:tnLst>
+      <p:par>
+        <p:cTn xmlns:p14="http://schemas.microsoft.com/office/powerpoint/2010/main" id="1" dur="indefinite" restart="never" nodeType="tmRoot"/>
+      </p:par>
+    </p:tnLst>
+  </p:timing>
+</p:sld>
+</file>
+
+<file path=ppt/slides/slide4.xml><?xml version="1.0" encoding="utf-8"?>
+<p:sld xmlns:a="http://schemas.openxmlformats.org/drawingml/2006/main" xmlns:r="http://schemas.openxmlformats.org/officeDocument/2006/relationships" xmlns:p="http://schemas.openxmlformats.org/presentationml/2006/main">
+  <p:cSld>
     <p:bg>
       <p:bgPr>
         <a:solidFill>
-          <a:srgbClr val="2B2B2B"/>
+          <a:schemeClr val="bg1">
+            <a:lumMod val="95000"/>
+            <a:alpha val="0"/>
+          </a:schemeClr>
         </a:solidFill>
         <a:effectLst/>
       </p:bgPr>
@@ -3223,7 +4534,7 @@
       </p:grpSpPr>
       <p:pic>
         <p:nvPicPr>
-          <p:cNvPr id="3" name="Picture 2"/>
+          <p:cNvPr id="6" name="Picture 5"/>
           <p:cNvPicPr>
             <a:picLocks noChangeAspect="1"/>
           </p:cNvPicPr>
@@ -3237,75 +4548,78 @@
         </p:blipFill>
         <p:spPr>
           <a:xfrm>
-            <a:off x="0" y="863600"/>
-            <a:ext cx="9144000" cy="5129561"/>
+            <a:off x="509531" y="1782208"/>
+            <a:ext cx="8424653" cy="3853255"/>
           </a:xfrm>
           <a:prstGeom prst="rect">
             <a:avLst/>
           </a:prstGeom>
         </p:spPr>
       </p:pic>
-    </p:spTree>
-    <p:extLst>
-      <p:ext uri="{BB962C8B-B14F-4D97-AF65-F5344CB8AC3E}">
-        <p14:creationId xmlns:p14="http://schemas.microsoft.com/office/powerpoint/2010/main" val="3745057884"/>
-      </p:ext>
-    </p:extLst>
-  </p:cSld>
-  <p:clrMapOvr>
-    <a:masterClrMapping/>
-  </p:clrMapOvr>
-  <p:timing>
-    <p:tnLst>
-      <p:par>
-        <p:cTn xmlns:p14="http://schemas.microsoft.com/office/powerpoint/2010/main" id="1" dur="indefinite" restart="never" nodeType="tmRoot"/>
-      </p:par>
-    </p:tnLst>
-  </p:timing>
-</p:sld>
-</file>
-
-<file path=ppt/slides/slide4.xml><?xml version="1.0" encoding="utf-8"?>
-<p:sld xmlns:a="http://schemas.openxmlformats.org/drawingml/2006/main" xmlns:r="http://schemas.openxmlformats.org/officeDocument/2006/relationships" xmlns:p="http://schemas.openxmlformats.org/presentationml/2006/main">
-  <p:cSld>
-    <p:spTree>
-      <p:nvGrpSpPr>
-        <p:cNvPr id="1" name=""/>
-        <p:cNvGrpSpPr/>
-        <p:nvPr/>
-      </p:nvGrpSpPr>
-      <p:grpSpPr>
-        <a:xfrm>
-          <a:off x="0" y="0"/>
-          <a:ext cx="0" cy="0"/>
-          <a:chOff x="0" y="0"/>
-          <a:chExt cx="0" cy="0"/>
-        </a:xfrm>
-      </p:grpSpPr>
-      <p:pic>
-        <p:nvPicPr>
-          <p:cNvPr id="4" name="Picture 3"/>
-          <p:cNvPicPr>
-            <a:picLocks noChangeAspect="1"/>
-          </p:cNvPicPr>
+      <p:sp>
+        <p:nvSpPr>
+          <p:cNvPr id="7" name="TextBox 6"/>
+          <p:cNvSpPr txBox="1"/>
           <p:nvPr/>
-        </p:nvPicPr>
-        <p:blipFill>
-          <a:blip r:embed="rId2"/>
-          <a:stretch>
-            <a:fillRect/>
-          </a:stretch>
-        </p:blipFill>
+        </p:nvSpPr>
         <p:spPr>
           <a:xfrm>
-            <a:off x="0" y="736600"/>
-            <a:ext cx="9144000" cy="5362508"/>
+            <a:off x="5022890" y="5658278"/>
+            <a:ext cx="1659717" cy="369332"/>
           </a:xfrm>
           <a:prstGeom prst="rect">
             <a:avLst/>
           </a:prstGeom>
+          <a:noFill/>
         </p:spPr>
-      </p:pic>
+        <p:txBody>
+          <a:bodyPr wrap="none" rtlCol="0">
+            <a:spAutoFit/>
+          </a:bodyPr>
+          <a:lstStyle/>
+          <a:p>
+            <a:r>
+              <a:rPr lang="en-US">
+                <a:latin typeface="Futura Condensed"/>
+                <a:cs typeface="Futura Condensed"/>
+              </a:rPr>
+              <a:t>Log estimation error</a:t>
+            </a:r>
+          </a:p>
+        </p:txBody>
+      </p:sp>
+      <p:sp>
+        <p:nvSpPr>
+          <p:cNvPr id="9" name="TextBox 8"/>
+          <p:cNvSpPr txBox="1"/>
+          <p:nvPr/>
+        </p:nvSpPr>
+        <p:spPr>
+          <a:xfrm>
+            <a:off x="577273" y="282380"/>
+            <a:ext cx="5639134" cy="738664"/>
+          </a:xfrm>
+          <a:prstGeom prst="rect">
+            <a:avLst/>
+          </a:prstGeom>
+          <a:noFill/>
+        </p:spPr>
+        <p:txBody>
+          <a:bodyPr wrap="none" rtlCol="0">
+            <a:spAutoFit/>
+          </a:bodyPr>
+          <a:lstStyle/>
+          <a:p>
+            <a:r>
+              <a:rPr lang="en-US" sz="4200">
+                <a:latin typeface="Futura Condensed"/>
+                <a:cs typeface="Futura Condensed"/>
+              </a:rPr>
+              <a:t>ACCURACY OF VISUAL ENCODING</a:t>
+            </a:r>
+          </a:p>
+        </p:txBody>
+      </p:sp>
     </p:spTree>
     <p:extLst>
       <p:ext uri="{BB962C8B-B14F-4D97-AF65-F5344CB8AC3E}">
@@ -3329,14 +4643,6 @@
 <file path=ppt/slides/slide5.xml><?xml version="1.0" encoding="utf-8"?>
 <p:sld xmlns:a="http://schemas.openxmlformats.org/drawingml/2006/main" xmlns:r="http://schemas.openxmlformats.org/officeDocument/2006/relationships" xmlns:p="http://schemas.openxmlformats.org/presentationml/2006/main">
   <p:cSld>
-    <p:bg>
-      <p:bgPr>
-        <a:solidFill>
-          <a:srgbClr val="272727"/>
-        </a:solidFill>
-        <a:effectLst/>
-      </p:bgPr>
-    </p:bg>
     <p:spTree>
       <p:nvGrpSpPr>
         <p:cNvPr id="1" name=""/>
@@ -3351,6 +4657,38 @@
           <a:chExt cx="0" cy="0"/>
         </a:xfrm>
       </p:grpSpPr>
+      <p:sp>
+        <p:nvSpPr>
+          <p:cNvPr id="9" name="TextBox 8"/>
+          <p:cNvSpPr txBox="1"/>
+          <p:nvPr/>
+        </p:nvSpPr>
+        <p:spPr>
+          <a:xfrm>
+            <a:off x="577273" y="282380"/>
+            <a:ext cx="5096054" cy="738664"/>
+          </a:xfrm>
+          <a:prstGeom prst="rect">
+            <a:avLst/>
+          </a:prstGeom>
+          <a:noFill/>
+        </p:spPr>
+        <p:txBody>
+          <a:bodyPr wrap="none" rtlCol="0">
+            <a:spAutoFit/>
+          </a:bodyPr>
+          <a:lstStyle/>
+          <a:p>
+            <a:r>
+              <a:rPr lang="en-US" sz="4200">
+                <a:latin typeface="Futura Condensed"/>
+                <a:cs typeface="Futura Condensed"/>
+              </a:rPr>
+              <a:t>RANKING VISUAL ENCODINGS</a:t>
+            </a:r>
+          </a:p>
+        </p:txBody>
+      </p:sp>
       <p:pic>
         <p:nvPicPr>
           <p:cNvPr id="2" name="Picture 1"/>
@@ -3367,8 +4705,8 @@
         </p:blipFill>
         <p:spPr>
           <a:xfrm>
-            <a:off x="0" y="774700"/>
-            <a:ext cx="9144000" cy="5284623"/>
+            <a:off x="722470" y="1441375"/>
+            <a:ext cx="7498053" cy="4391823"/>
           </a:xfrm>
           <a:prstGeom prst="rect">
             <a:avLst/>
@@ -3378,7 +4716,7 @@
     </p:spTree>
     <p:extLst>
       <p:ext uri="{BB962C8B-B14F-4D97-AF65-F5344CB8AC3E}">
-        <p14:creationId xmlns:p14="http://schemas.microsoft.com/office/powerpoint/2010/main" val="2881653519"/>
+        <p14:creationId xmlns:p14="http://schemas.microsoft.com/office/powerpoint/2010/main" val="2644122247"/>
       </p:ext>
     </p:extLst>
   </p:cSld>
@@ -3713,4 +5051,324 @@
   </a:objectDefaults>
   <a:extraClrSchemeLst/>
 </a:theme>
+</file>
+
+<file path=ppt/theme/theme2.xml><?xml version="1.0" encoding="utf-8"?>
+<a:theme xmlns:a="http://schemas.openxmlformats.org/drawingml/2006/main" name="Office Theme">
+  <a:themeElements>
+    <a:clrScheme name="Office">
+      <a:dk1>
+        <a:sysClr val="windowText" lastClr="000000"/>
+      </a:dk1>
+      <a:lt1>
+        <a:sysClr val="window" lastClr="FFFFFF"/>
+      </a:lt1>
+      <a:dk2>
+        <a:srgbClr val="1F497D"/>
+      </a:dk2>
+      <a:lt2>
+        <a:srgbClr val="EEECE1"/>
+      </a:lt2>
+      <a:accent1>
+        <a:srgbClr val="4F81BD"/>
+      </a:accent1>
+      <a:accent2>
+        <a:srgbClr val="C0504D"/>
+      </a:accent2>
+      <a:accent3>
+        <a:srgbClr val="9BBB59"/>
+      </a:accent3>
+      <a:accent4>
+        <a:srgbClr val="8064A2"/>
+      </a:accent4>
+      <a:accent5>
+        <a:srgbClr val="4BACC6"/>
+      </a:accent5>
+      <a:accent6>
+        <a:srgbClr val="F79646"/>
+      </a:accent6>
+      <a:hlink>
+        <a:srgbClr val="0000FF"/>
+      </a:hlink>
+      <a:folHlink>
+        <a:srgbClr val="800080"/>
+      </a:folHlink>
+    </a:clrScheme>
+    <a:fontScheme name="Office">
+      <a:majorFont>
+        <a:latin typeface="Calibri"/>
+        <a:ea typeface=""/>
+        <a:cs typeface=""/>
+        <a:font script="Jpan" typeface="ＭＳ Ｐゴシック"/>
+        <a:font script="Hang" typeface="맑은 고딕"/>
+        <a:font script="Hans" typeface="宋体"/>
+        <a:font script="Hant" typeface="新細明體"/>
+        <a:font script="Arab" typeface="Times New Roman"/>
+        <a:font script="Hebr" typeface="Times New Roman"/>
+        <a:font script="Thai" typeface="Angsana New"/>
+        <a:font script="Ethi" typeface="Nyala"/>
+        <a:font script="Beng" typeface="Vrinda"/>
+        <a:font script="Gujr" typeface="Shruti"/>
+        <a:font script="Khmr" typeface="MoolBoran"/>
+        <a:font script="Knda" typeface="Tunga"/>
+        <a:font script="Guru" typeface="Raavi"/>
+        <a:font script="Cans" typeface="Euphemia"/>
+        <a:font script="Cher" typeface="Plantagenet Cherokee"/>
+        <a:font script="Yiii" typeface="Microsoft Yi Baiti"/>
+        <a:font script="Tibt" typeface="Microsoft Himalaya"/>
+        <a:font script="Thaa" typeface="MV Boli"/>
+        <a:font script="Deva" typeface="Mangal"/>
+        <a:font script="Telu" typeface="Gautami"/>
+        <a:font script="Taml" typeface="Latha"/>
+        <a:font script="Syrc" typeface="Estrangelo Edessa"/>
+        <a:font script="Orya" typeface="Kalinga"/>
+        <a:font script="Mlym" typeface="Kartika"/>
+        <a:font script="Laoo" typeface="DokChampa"/>
+        <a:font script="Sinh" typeface="Iskoola Pota"/>
+        <a:font script="Mong" typeface="Mongolian Baiti"/>
+        <a:font script="Viet" typeface="Times New Roman"/>
+        <a:font script="Uigh" typeface="Microsoft Uighur"/>
+        <a:font script="Geor" typeface="Sylfaen"/>
+      </a:majorFont>
+      <a:minorFont>
+        <a:latin typeface="Calibri"/>
+        <a:ea typeface=""/>
+        <a:cs typeface=""/>
+        <a:font script="Jpan" typeface="ＭＳ Ｐゴシック"/>
+        <a:font script="Hang" typeface="맑은 고딕"/>
+        <a:font script="Hans" typeface="宋体"/>
+        <a:font script="Hant" typeface="新細明體"/>
+        <a:font script="Arab" typeface="Arial"/>
+        <a:font script="Hebr" typeface="Arial"/>
+        <a:font script="Thai" typeface="Cordia New"/>
+        <a:font script="Ethi" typeface="Nyala"/>
+        <a:font script="Beng" typeface="Vrinda"/>
+        <a:font script="Gujr" typeface="Shruti"/>
+        <a:font script="Khmr" typeface="DaunPenh"/>
+        <a:font script="Knda" typeface="Tunga"/>
+        <a:font script="Guru" typeface="Raavi"/>
+        <a:font script="Cans" typeface="Euphemia"/>
+        <a:font script="Cher" typeface="Plantagenet Cherokee"/>
+        <a:font script="Yiii" typeface="Microsoft Yi Baiti"/>
+        <a:font script="Tibt" typeface="Microsoft Himalaya"/>
+        <a:font script="Thaa" typeface="MV Boli"/>
+        <a:font script="Deva" typeface="Mangal"/>
+        <a:font script="Telu" typeface="Gautami"/>
+        <a:font script="Taml" typeface="Latha"/>
+        <a:font script="Syrc" typeface="Estrangelo Edessa"/>
+        <a:font script="Orya" typeface="Kalinga"/>
+        <a:font script="Mlym" typeface="Kartika"/>
+        <a:font script="Laoo" typeface="DokChampa"/>
+        <a:font script="Sinh" typeface="Iskoola Pota"/>
+        <a:font script="Mong" typeface="Mongolian Baiti"/>
+        <a:font script="Viet" typeface="Arial"/>
+        <a:font script="Uigh" typeface="Microsoft Uighur"/>
+        <a:font script="Geor" typeface="Sylfaen"/>
+      </a:minorFont>
+    </a:fontScheme>
+    <a:fmtScheme name="Office">
+      <a:fillStyleLst>
+        <a:solidFill>
+          <a:schemeClr val="phClr"/>
+        </a:solidFill>
+        <a:gradFill rotWithShape="1">
+          <a:gsLst>
+            <a:gs pos="0">
+              <a:schemeClr val="phClr">
+                <a:tint val="50000"/>
+                <a:satMod val="300000"/>
+              </a:schemeClr>
+            </a:gs>
+            <a:gs pos="35000">
+              <a:schemeClr val="phClr">
+                <a:tint val="37000"/>
+                <a:satMod val="300000"/>
+              </a:schemeClr>
+            </a:gs>
+            <a:gs pos="100000">
+              <a:schemeClr val="phClr">
+                <a:tint val="15000"/>
+                <a:satMod val="350000"/>
+              </a:schemeClr>
+            </a:gs>
+          </a:gsLst>
+          <a:lin ang="16200000" scaled="1"/>
+        </a:gradFill>
+        <a:gradFill rotWithShape="1">
+          <a:gsLst>
+            <a:gs pos="0">
+              <a:schemeClr val="phClr">
+                <a:tint val="100000"/>
+                <a:shade val="100000"/>
+                <a:satMod val="130000"/>
+              </a:schemeClr>
+            </a:gs>
+            <a:gs pos="100000">
+              <a:schemeClr val="phClr">
+                <a:tint val="50000"/>
+                <a:shade val="100000"/>
+                <a:satMod val="350000"/>
+              </a:schemeClr>
+            </a:gs>
+          </a:gsLst>
+          <a:lin ang="16200000" scaled="0"/>
+        </a:gradFill>
+      </a:fillStyleLst>
+      <a:lnStyleLst>
+        <a:ln w="9525" cap="flat" cmpd="sng" algn="ctr">
+          <a:solidFill>
+            <a:schemeClr val="phClr">
+              <a:shade val="95000"/>
+              <a:satMod val="105000"/>
+            </a:schemeClr>
+          </a:solidFill>
+          <a:prstDash val="solid"/>
+        </a:ln>
+        <a:ln w="25400" cap="flat" cmpd="sng" algn="ctr">
+          <a:solidFill>
+            <a:schemeClr val="phClr"/>
+          </a:solidFill>
+          <a:prstDash val="solid"/>
+        </a:ln>
+        <a:ln w="38100" cap="flat" cmpd="sng" algn="ctr">
+          <a:solidFill>
+            <a:schemeClr val="phClr"/>
+          </a:solidFill>
+          <a:prstDash val="solid"/>
+        </a:ln>
+      </a:lnStyleLst>
+      <a:effectStyleLst>
+        <a:effectStyle>
+          <a:effectLst>
+            <a:outerShdw blurRad="40000" dist="20000" dir="5400000" rotWithShape="0">
+              <a:srgbClr val="000000">
+                <a:alpha val="38000"/>
+              </a:srgbClr>
+            </a:outerShdw>
+          </a:effectLst>
+        </a:effectStyle>
+        <a:effectStyle>
+          <a:effectLst>
+            <a:outerShdw blurRad="40000" dist="23000" dir="5400000" rotWithShape="0">
+              <a:srgbClr val="000000">
+                <a:alpha val="35000"/>
+              </a:srgbClr>
+            </a:outerShdw>
+          </a:effectLst>
+        </a:effectStyle>
+        <a:effectStyle>
+          <a:effectLst>
+            <a:outerShdw blurRad="40000" dist="23000" dir="5400000" rotWithShape="0">
+              <a:srgbClr val="000000">
+                <a:alpha val="35000"/>
+              </a:srgbClr>
+            </a:outerShdw>
+          </a:effectLst>
+          <a:scene3d>
+            <a:camera prst="orthographicFront">
+              <a:rot lat="0" lon="0" rev="0"/>
+            </a:camera>
+            <a:lightRig rig="threePt" dir="t">
+              <a:rot lat="0" lon="0" rev="1200000"/>
+            </a:lightRig>
+          </a:scene3d>
+          <a:sp3d>
+            <a:bevelT w="63500" h="25400"/>
+          </a:sp3d>
+        </a:effectStyle>
+      </a:effectStyleLst>
+      <a:bgFillStyleLst>
+        <a:solidFill>
+          <a:schemeClr val="phClr"/>
+        </a:solidFill>
+        <a:gradFill rotWithShape="1">
+          <a:gsLst>
+            <a:gs pos="0">
+              <a:schemeClr val="phClr">
+                <a:tint val="40000"/>
+                <a:satMod val="350000"/>
+              </a:schemeClr>
+            </a:gs>
+            <a:gs pos="40000">
+              <a:schemeClr val="phClr">
+                <a:tint val="45000"/>
+                <a:shade val="99000"/>
+                <a:satMod val="350000"/>
+              </a:schemeClr>
+            </a:gs>
+            <a:gs pos="100000">
+              <a:schemeClr val="phClr">
+                <a:shade val="20000"/>
+                <a:satMod val="255000"/>
+              </a:schemeClr>
+            </a:gs>
+          </a:gsLst>
+          <a:path path="circle">
+            <a:fillToRect l="50000" t="-80000" r="50000" b="180000"/>
+          </a:path>
+        </a:gradFill>
+        <a:gradFill rotWithShape="1">
+          <a:gsLst>
+            <a:gs pos="0">
+              <a:schemeClr val="phClr">
+                <a:tint val="80000"/>
+                <a:satMod val="300000"/>
+              </a:schemeClr>
+            </a:gs>
+            <a:gs pos="100000">
+              <a:schemeClr val="phClr">
+                <a:shade val="30000"/>
+                <a:satMod val="200000"/>
+              </a:schemeClr>
+            </a:gs>
+          </a:gsLst>
+          <a:path path="circle">
+            <a:fillToRect l="50000" t="50000" r="50000" b="50000"/>
+          </a:path>
+        </a:gradFill>
+      </a:bgFillStyleLst>
+    </a:fmtScheme>
+  </a:themeElements>
+  <a:objectDefaults>
+    <a:spDef>
+      <a:spPr/>
+      <a:bodyPr/>
+      <a:lstStyle/>
+      <a:style>
+        <a:lnRef idx="1">
+          <a:schemeClr val="accent1"/>
+        </a:lnRef>
+        <a:fillRef idx="3">
+          <a:schemeClr val="accent1"/>
+        </a:fillRef>
+        <a:effectRef idx="2">
+          <a:schemeClr val="accent1"/>
+        </a:effectRef>
+        <a:fontRef idx="minor">
+          <a:schemeClr val="lt1"/>
+        </a:fontRef>
+      </a:style>
+    </a:spDef>
+    <a:lnDef>
+      <a:spPr/>
+      <a:bodyPr/>
+      <a:lstStyle/>
+      <a:style>
+        <a:lnRef idx="2">
+          <a:schemeClr val="accent1"/>
+        </a:lnRef>
+        <a:fillRef idx="0">
+          <a:schemeClr val="accent1"/>
+        </a:fillRef>
+        <a:effectRef idx="1">
+          <a:schemeClr val="accent1"/>
+        </a:effectRef>
+        <a:fontRef idx="minor">
+          <a:schemeClr val="tx1"/>
+        </a:fontRef>
+      </a:style>
+    </a:lnDef>
+  </a:objectDefaults>
+  <a:extraClrSchemeLst/>
+</a:theme>
 </file>